--- a/kész.pptx
+++ b/kész.pptx
@@ -6,9 +6,9 @@
   </p:sldMasterIdLst>
   <p:sldIdLst>
     <p:sldId id="259" r:id="rId2"/>
-    <p:sldId id="257" r:id="rId3"/>
+    <p:sldId id="267" r:id="rId3"/>
     <p:sldId id="266" r:id="rId4"/>
-    <p:sldId id="267" r:id="rId5"/>
+    <p:sldId id="257" r:id="rId5"/>
     <p:sldId id="258" r:id="rId6"/>
   </p:sldIdLst>
   <p:sldSz cx="12192000" cy="6858000"/>
@@ -3679,7 +3679,7 @@
           <p:cNvPr id="2" name="Cím 1">
             <a:extLst>
               <a:ext uri="{FF2B5EF4-FFF2-40B4-BE49-F238E27FC236}">
-                <a16:creationId xmlns:a16="http://schemas.microsoft.com/office/drawing/2014/main" id="{1C67B1F6-72D5-60E9-B1B2-C6CA00527B23}"/>
+                <a16:creationId xmlns:a16="http://schemas.microsoft.com/office/drawing/2014/main" id="{35F7424D-520C-6155-D9E3-DF8AC9DB9970}"/>
               </a:ext>
             </a:extLst>
           </p:cNvPr>
@@ -3695,10 +3695,16 @@
           <a:bodyPr/>
           <a:lstStyle/>
           <a:p>
-            <a:r>
-              <a:rPr lang="hu-HU" dirty="0"/>
-              <a:t>Tamás része:</a:t>
-            </a:r>
+            <a:pPr algn="ctr"/>
+            <a:r>
+              <a:rPr lang="hu-HU" sz="3200" dirty="0">
+                <a:latin typeface="Calibri" panose="020F0502020204030204" pitchFamily="34" charset="0"/>
+                <a:ea typeface="Calibri" panose="020F0502020204030204" pitchFamily="34" charset="0"/>
+                <a:cs typeface="Calibri" panose="020F0502020204030204" pitchFamily="34" charset="0"/>
+              </a:rPr>
+              <a:t>Ákos része a projektben:</a:t>
+            </a:r>
+            <a:endParaRPr lang="en-US" dirty="0"/>
           </a:p>
         </p:txBody>
       </p:sp>
@@ -3707,7 +3713,7 @@
           <p:cNvPr id="3" name="Tartalom helye 2">
             <a:extLst>
               <a:ext uri="{FF2B5EF4-FFF2-40B4-BE49-F238E27FC236}">
-                <a16:creationId xmlns:a16="http://schemas.microsoft.com/office/drawing/2014/main" id="{ECD13469-0B24-2247-56B4-8619D062712B}"/>
+                <a16:creationId xmlns:a16="http://schemas.microsoft.com/office/drawing/2014/main" id="{E40C123C-92CF-3739-39A2-7C35B05474E4}"/>
               </a:ext>
             </a:extLst>
           </p:cNvPr>
@@ -3720,36 +3726,277 @@
         </p:nvSpPr>
         <p:spPr/>
         <p:txBody>
-          <a:bodyPr/>
+          <a:bodyPr>
+            <a:normAutofit/>
+          </a:bodyPr>
+          <a:lstStyle/>
+          <a:p>
+            <a:r>
+              <a:rPr lang="hu-HU" sz="1800" dirty="0"/>
+              <a:t>Az én részem a függvények meghívása és használata.</a:t>
+            </a:r>
+          </a:p>
+          <a:p>
+            <a:r>
+              <a:rPr lang="hu-HU" sz="1800" dirty="0"/>
+              <a:t>Először a fekete és fehér bábuk mennyiségét megadó függvényt készítettem.</a:t>
+            </a:r>
+          </a:p>
+          <a:p>
+            <a:r>
+              <a:rPr lang="hu-HU" sz="1800" dirty="0"/>
+              <a:t>A nyerő felet egy másik függvénnyel csináltam ahol a lista hosszát ellenőriztem és hasonlítottam össze</a:t>
+            </a:r>
+            <a:endParaRPr lang="en-US" sz="1800" dirty="0"/>
+          </a:p>
+        </p:txBody>
+      </p:sp>
+      <p:sp>
+        <p:nvSpPr>
+          <p:cNvPr id="6" name="Nyíl: jobbra mutató 5">
+            <a:extLst>
+              <a:ext uri="{FF2B5EF4-FFF2-40B4-BE49-F238E27FC236}">
+                <a16:creationId xmlns:a16="http://schemas.microsoft.com/office/drawing/2014/main" id="{96E26A6C-B811-D987-FBA5-197842DAA325}"/>
+              </a:ext>
+            </a:extLst>
+          </p:cNvPr>
+          <p:cNvSpPr/>
+          <p:nvPr/>
+        </p:nvSpPr>
+        <p:spPr>
+          <a:xfrm>
+            <a:off x="2470485" y="3339985"/>
+            <a:ext cx="1267326" cy="417095"/>
+          </a:xfrm>
+          <a:prstGeom prst="rightArrow">
+            <a:avLst/>
+          </a:prstGeom>
+          <a:solidFill>
+            <a:schemeClr val="bg1"/>
+          </a:solidFill>
+        </p:spPr>
+        <p:style>
+          <a:lnRef idx="2">
+            <a:schemeClr val="accent1">
+              <a:shade val="15000"/>
+            </a:schemeClr>
+          </a:lnRef>
+          <a:fillRef idx="1">
+            <a:schemeClr val="accent1"/>
+          </a:fillRef>
+          <a:effectRef idx="0">
+            <a:schemeClr val="accent1"/>
+          </a:effectRef>
+          <a:fontRef idx="minor">
+            <a:schemeClr val="lt1"/>
+          </a:fontRef>
+        </p:style>
+        <p:txBody>
+          <a:bodyPr rtlCol="0" anchor="ctr"/>
+          <a:lstStyle/>
+          <a:p>
+            <a:pPr algn="ctr"/>
+            <a:endParaRPr lang="en-US"/>
+          </a:p>
+        </p:txBody>
+      </p:sp>
+      <p:pic>
+        <p:nvPicPr>
+          <p:cNvPr id="8" name="Kép 7">
+            <a:extLst>
+              <a:ext uri="{FF2B5EF4-FFF2-40B4-BE49-F238E27FC236}">
+                <a16:creationId xmlns:a16="http://schemas.microsoft.com/office/drawing/2014/main" id="{7A2AD19C-BDAF-5D09-DDB1-A113F71F6016}"/>
+              </a:ext>
+            </a:extLst>
+          </p:cNvPr>
+          <p:cNvPicPr>
+            <a:picLocks noChangeAspect="1"/>
+          </p:cNvPicPr>
+          <p:nvPr/>
+        </p:nvPicPr>
+        <p:blipFill>
+          <a:blip r:embed="rId2">
+            <a:extLst>
+              <a:ext uri="{28A0092B-C50C-407E-A947-70E740481C1C}">
+                <a14:useLocalDpi xmlns:a14="http://schemas.microsoft.com/office/drawing/2010/main" val="0"/>
+              </a:ext>
+            </a:extLst>
+          </a:blip>
+          <a:stretch>
+            <a:fillRect/>
+          </a:stretch>
+        </p:blipFill>
+        <p:spPr>
+          <a:xfrm>
+            <a:off x="7828547" y="3429000"/>
+            <a:ext cx="4146821" cy="3429000"/>
+          </a:xfrm>
+          <a:prstGeom prst="rect">
+            <a:avLst/>
+          </a:prstGeom>
+        </p:spPr>
+      </p:pic>
+      <p:pic>
+        <p:nvPicPr>
+          <p:cNvPr id="10" name="Kép 9">
+            <a:extLst>
+              <a:ext uri="{FF2B5EF4-FFF2-40B4-BE49-F238E27FC236}">
+                <a16:creationId xmlns:a16="http://schemas.microsoft.com/office/drawing/2014/main" id="{ACC22937-984F-7F41-80DD-285287491FB8}"/>
+              </a:ext>
+            </a:extLst>
+          </p:cNvPr>
+          <p:cNvPicPr>
+            <a:picLocks noChangeAspect="1"/>
+          </p:cNvPicPr>
+          <p:nvPr/>
+        </p:nvPicPr>
+        <p:blipFill>
+          <a:blip r:embed="rId3">
+            <a:extLst>
+              <a:ext uri="{28A0092B-C50C-407E-A947-70E740481C1C}">
+                <a14:useLocalDpi xmlns:a14="http://schemas.microsoft.com/office/drawing/2010/main" val="0"/>
+              </a:ext>
+            </a:extLst>
+          </a:blip>
+          <a:stretch>
+            <a:fillRect/>
+          </a:stretch>
+        </p:blipFill>
+        <p:spPr>
+          <a:xfrm>
+            <a:off x="3916914" y="3369280"/>
+            <a:ext cx="3049173" cy="1045526"/>
+          </a:xfrm>
+          <a:prstGeom prst="rect">
+            <a:avLst/>
+          </a:prstGeom>
+        </p:spPr>
+      </p:pic>
+      <p:sp>
+        <p:nvSpPr>
+          <p:cNvPr id="11" name="Szövegdoboz 10">
+            <a:extLst>
+              <a:ext uri="{FF2B5EF4-FFF2-40B4-BE49-F238E27FC236}">
+                <a16:creationId xmlns:a16="http://schemas.microsoft.com/office/drawing/2014/main" id="{CA4B9E43-5B75-7125-D73B-45F5ED1DF94F}"/>
+              </a:ext>
+            </a:extLst>
+          </p:cNvPr>
+          <p:cNvSpPr txBox="1"/>
+          <p:nvPr/>
+        </p:nvSpPr>
+        <p:spPr>
+          <a:xfrm>
+            <a:off x="3916914" y="5345783"/>
+            <a:ext cx="2708475" cy="646331"/>
+          </a:xfrm>
+          <a:prstGeom prst="rect">
+            <a:avLst/>
+          </a:prstGeom>
+          <a:noFill/>
+        </p:spPr>
+        <p:txBody>
+          <a:bodyPr wrap="square" rtlCol="0">
+            <a:spAutoFit/>
+          </a:bodyPr>
           <a:lstStyle/>
           <a:p>
             <a:r>
               <a:rPr lang="hu-HU" dirty="0"/>
-              <a:t>Program lefuttatása után újraindítása a </a:t>
-            </a:r>
-            <a:r>
-              <a:rPr lang="hu-HU" dirty="0" err="1"/>
-              <a:t>while</a:t>
-            </a:r>
-            <a:r>
-              <a:rPr lang="hu-HU" dirty="0"/>
-              <a:t> ciklus segítségével, amiben az „igen” szóval </a:t>
-            </a:r>
-            <a:r>
-              <a:rPr lang="hu-HU" dirty="0" err="1"/>
-              <a:t>újralefut</a:t>
-            </a:r>
-            <a:r>
-              <a:rPr lang="hu-HU" dirty="0"/>
-              <a:t>, illetve a „nem” szóval leáll</a:t>
-            </a:r>
-          </a:p>
-        </p:txBody>
-      </p:sp>
+              <a:t>Itt a fehér és fekete bábuk számát adtuk meg.</a:t>
+            </a:r>
+            <a:endParaRPr lang="en-US" dirty="0"/>
+          </a:p>
+        </p:txBody>
+      </p:sp>
+      <p:sp>
+        <p:nvSpPr>
+          <p:cNvPr id="13" name="Nyíl: jobbra mutató 12">
+            <a:extLst>
+              <a:ext uri="{FF2B5EF4-FFF2-40B4-BE49-F238E27FC236}">
+                <a16:creationId xmlns:a16="http://schemas.microsoft.com/office/drawing/2014/main" id="{E07A5A02-9C12-7986-C7DB-5E6FFBBA54EB}"/>
+              </a:ext>
+            </a:extLst>
+          </p:cNvPr>
+          <p:cNvSpPr/>
+          <p:nvPr/>
+        </p:nvSpPr>
+        <p:spPr>
+          <a:xfrm rot="19358186">
+            <a:off x="6136712" y="4582393"/>
+            <a:ext cx="1732546" cy="399195"/>
+          </a:xfrm>
+          <a:prstGeom prst="rightArrow">
+            <a:avLst/>
+          </a:prstGeom>
+          <a:solidFill>
+            <a:schemeClr val="bg1"/>
+          </a:solidFill>
+        </p:spPr>
+        <p:style>
+          <a:lnRef idx="2">
+            <a:schemeClr val="accent1">
+              <a:shade val="15000"/>
+            </a:schemeClr>
+          </a:lnRef>
+          <a:fillRef idx="1">
+            <a:schemeClr val="accent1"/>
+          </a:fillRef>
+          <a:effectRef idx="0">
+            <a:schemeClr val="accent1"/>
+          </a:effectRef>
+          <a:fontRef idx="minor">
+            <a:schemeClr val="lt1"/>
+          </a:fontRef>
+        </p:style>
+        <p:txBody>
+          <a:bodyPr rtlCol="0" anchor="ctr"/>
+          <a:lstStyle/>
+          <a:p>
+            <a:pPr algn="ctr"/>
+            <a:endParaRPr lang="en-US"/>
+          </a:p>
+        </p:txBody>
+      </p:sp>
+      <p:pic>
+        <p:nvPicPr>
+          <p:cNvPr id="15" name="Kép 14">
+            <a:extLst>
+              <a:ext uri="{FF2B5EF4-FFF2-40B4-BE49-F238E27FC236}">
+                <a16:creationId xmlns:a16="http://schemas.microsoft.com/office/drawing/2014/main" id="{18ECF30E-4442-528D-4025-546C5C1E41B0}"/>
+              </a:ext>
+            </a:extLst>
+          </p:cNvPr>
+          <p:cNvPicPr>
+            <a:picLocks noChangeAspect="1"/>
+          </p:cNvPicPr>
+          <p:nvPr/>
+        </p:nvPicPr>
+        <p:blipFill>
+          <a:blip r:embed="rId4">
+            <a:extLst>
+              <a:ext uri="{28A0092B-C50C-407E-A947-70E740481C1C}">
+                <a14:useLocalDpi xmlns:a14="http://schemas.microsoft.com/office/drawing/2010/main" val="0"/>
+              </a:ext>
+            </a:extLst>
+          </a:blip>
+          <a:stretch>
+            <a:fillRect/>
+          </a:stretch>
+        </p:blipFill>
+        <p:spPr>
+          <a:xfrm>
+            <a:off x="-15670" y="3882188"/>
+            <a:ext cx="3609101" cy="2959769"/>
+          </a:xfrm>
+          <a:prstGeom prst="rect">
+            <a:avLst/>
+          </a:prstGeom>
+        </p:spPr>
+      </p:pic>
     </p:spTree>
     <p:extLst>
       <p:ext uri="{BB962C8B-B14F-4D97-AF65-F5344CB8AC3E}">
-        <p14:creationId xmlns:p14="http://schemas.microsoft.com/office/powerpoint/2010/main" val="4293152934"/>
+        <p14:creationId xmlns:p14="http://schemas.microsoft.com/office/powerpoint/2010/main" val="3164604468"/>
       </p:ext>
     </p:extLst>
   </p:cSld>
@@ -3800,14 +4047,22 @@
             <a:pPr algn="ctr"/>
             <a:r>
               <a:rPr lang="hu-HU" dirty="0"/>
-              <a:t>Az én részem a projektbe(Sebi)</a:t>
+              <a:t>Sebi része </a:t>
+            </a:r>
+            <a:r>
+              <a:rPr lang="hu-HU"/>
+              <a:t>a projektben:</a:t>
             </a:r>
             <a:br>
+              <a:rPr lang="hu-HU"/>
+            </a:br>
+            <a:r>
+              <a:rPr lang="hu-HU"/>
+              <a:t>8 </a:t>
+            </a:r>
+            <a:r>
               <a:rPr lang="hu-HU" dirty="0"/>
-            </a:br>
-            <a:r>
-              <a:rPr lang="hu-HU" dirty="0"/>
-              <a:t>	8 királynő probléma</a:t>
+              <a:t>királynő probléma</a:t>
             </a:r>
             <a:endParaRPr lang="en-US" dirty="0"/>
           </a:p>
@@ -4084,7 +4339,7 @@
           <p:cNvPr id="2" name="Cím 1">
             <a:extLst>
               <a:ext uri="{FF2B5EF4-FFF2-40B4-BE49-F238E27FC236}">
-                <a16:creationId xmlns:a16="http://schemas.microsoft.com/office/drawing/2014/main" id="{35F7424D-520C-6155-D9E3-DF8AC9DB9970}"/>
+                <a16:creationId xmlns:a16="http://schemas.microsoft.com/office/drawing/2014/main" id="{1C67B1F6-72D5-60E9-B1B2-C6CA00527B23}"/>
               </a:ext>
             </a:extLst>
           </p:cNvPr>
@@ -4100,16 +4355,10 @@
           <a:bodyPr/>
           <a:lstStyle/>
           <a:p>
-            <a:pPr algn="ctr"/>
-            <a:r>
-              <a:rPr lang="hu-HU" sz="3200" dirty="0">
-                <a:latin typeface="Calibri" panose="020F0502020204030204" pitchFamily="34" charset="0"/>
-                <a:ea typeface="Calibri" panose="020F0502020204030204" pitchFamily="34" charset="0"/>
-                <a:cs typeface="Calibri" panose="020F0502020204030204" pitchFamily="34" charset="0"/>
-              </a:rPr>
-              <a:t>Ákos része a projektben:</a:t>
-            </a:r>
-            <a:endParaRPr lang="en-US" dirty="0"/>
+            <a:r>
+              <a:rPr lang="hu-HU" dirty="0"/>
+              <a:t>Tamás része:</a:t>
+            </a:r>
           </a:p>
         </p:txBody>
       </p:sp>
@@ -4118,7 +4367,7 @@
           <p:cNvPr id="3" name="Tartalom helye 2">
             <a:extLst>
               <a:ext uri="{FF2B5EF4-FFF2-40B4-BE49-F238E27FC236}">
-                <a16:creationId xmlns:a16="http://schemas.microsoft.com/office/drawing/2014/main" id="{E40C123C-92CF-3739-39A2-7C35B05474E4}"/>
+                <a16:creationId xmlns:a16="http://schemas.microsoft.com/office/drawing/2014/main" id="{ECD13469-0B24-2247-56B4-8619D062712B}"/>
               </a:ext>
             </a:extLst>
           </p:cNvPr>
@@ -4131,277 +4380,36 @@
         </p:nvSpPr>
         <p:spPr/>
         <p:txBody>
-          <a:bodyPr>
-            <a:normAutofit/>
-          </a:bodyPr>
-          <a:lstStyle/>
-          <a:p>
-            <a:r>
-              <a:rPr lang="hu-HU" sz="1800" dirty="0"/>
-              <a:t>Az én részem a függvények meghívása és használata.</a:t>
-            </a:r>
-          </a:p>
-          <a:p>
-            <a:r>
-              <a:rPr lang="hu-HU" sz="1800" dirty="0"/>
-              <a:t>Először a fekete és fehér bábuk mennyiségét megadó függvényt készítettem.</a:t>
-            </a:r>
-          </a:p>
-          <a:p>
-            <a:r>
-              <a:rPr lang="hu-HU" sz="1800" dirty="0"/>
-              <a:t>A nyerő felet egy másik függvénnyel csináltam ahol a lista hosszát ellenőriztem és hasonlítottam össze</a:t>
-            </a:r>
-            <a:endParaRPr lang="en-US" sz="1800" dirty="0"/>
-          </a:p>
-        </p:txBody>
-      </p:sp>
-      <p:sp>
-        <p:nvSpPr>
-          <p:cNvPr id="6" name="Nyíl: jobbra mutató 5">
-            <a:extLst>
-              <a:ext uri="{FF2B5EF4-FFF2-40B4-BE49-F238E27FC236}">
-                <a16:creationId xmlns:a16="http://schemas.microsoft.com/office/drawing/2014/main" id="{96E26A6C-B811-D987-FBA5-197842DAA325}"/>
-              </a:ext>
-            </a:extLst>
-          </p:cNvPr>
-          <p:cNvSpPr/>
-          <p:nvPr/>
-        </p:nvSpPr>
-        <p:spPr>
-          <a:xfrm>
-            <a:off x="2470485" y="3339985"/>
-            <a:ext cx="1267326" cy="417095"/>
-          </a:xfrm>
-          <a:prstGeom prst="rightArrow">
-            <a:avLst/>
-          </a:prstGeom>
-          <a:solidFill>
-            <a:schemeClr val="bg1"/>
-          </a:solidFill>
-        </p:spPr>
-        <p:style>
-          <a:lnRef idx="2">
-            <a:schemeClr val="accent1">
-              <a:shade val="15000"/>
-            </a:schemeClr>
-          </a:lnRef>
-          <a:fillRef idx="1">
-            <a:schemeClr val="accent1"/>
-          </a:fillRef>
-          <a:effectRef idx="0">
-            <a:schemeClr val="accent1"/>
-          </a:effectRef>
-          <a:fontRef idx="minor">
-            <a:schemeClr val="lt1"/>
-          </a:fontRef>
-        </p:style>
-        <p:txBody>
-          <a:bodyPr rtlCol="0" anchor="ctr"/>
-          <a:lstStyle/>
-          <a:p>
-            <a:pPr algn="ctr"/>
-            <a:endParaRPr lang="en-US"/>
-          </a:p>
-        </p:txBody>
-      </p:sp>
-      <p:pic>
-        <p:nvPicPr>
-          <p:cNvPr id="8" name="Kép 7">
-            <a:extLst>
-              <a:ext uri="{FF2B5EF4-FFF2-40B4-BE49-F238E27FC236}">
-                <a16:creationId xmlns:a16="http://schemas.microsoft.com/office/drawing/2014/main" id="{7A2AD19C-BDAF-5D09-DDB1-A113F71F6016}"/>
-              </a:ext>
-            </a:extLst>
-          </p:cNvPr>
-          <p:cNvPicPr>
-            <a:picLocks noChangeAspect="1"/>
-          </p:cNvPicPr>
-          <p:nvPr/>
-        </p:nvPicPr>
-        <p:blipFill>
-          <a:blip r:embed="rId2">
-            <a:extLst>
-              <a:ext uri="{28A0092B-C50C-407E-A947-70E740481C1C}">
-                <a14:useLocalDpi xmlns:a14="http://schemas.microsoft.com/office/drawing/2010/main" val="0"/>
-              </a:ext>
-            </a:extLst>
-          </a:blip>
-          <a:stretch>
-            <a:fillRect/>
-          </a:stretch>
-        </p:blipFill>
-        <p:spPr>
-          <a:xfrm>
-            <a:off x="7828547" y="3429000"/>
-            <a:ext cx="4146821" cy="3429000"/>
-          </a:xfrm>
-          <a:prstGeom prst="rect">
-            <a:avLst/>
-          </a:prstGeom>
-        </p:spPr>
-      </p:pic>
-      <p:pic>
-        <p:nvPicPr>
-          <p:cNvPr id="10" name="Kép 9">
-            <a:extLst>
-              <a:ext uri="{FF2B5EF4-FFF2-40B4-BE49-F238E27FC236}">
-                <a16:creationId xmlns:a16="http://schemas.microsoft.com/office/drawing/2014/main" id="{ACC22937-984F-7F41-80DD-285287491FB8}"/>
-              </a:ext>
-            </a:extLst>
-          </p:cNvPr>
-          <p:cNvPicPr>
-            <a:picLocks noChangeAspect="1"/>
-          </p:cNvPicPr>
-          <p:nvPr/>
-        </p:nvPicPr>
-        <p:blipFill>
-          <a:blip r:embed="rId3">
-            <a:extLst>
-              <a:ext uri="{28A0092B-C50C-407E-A947-70E740481C1C}">
-                <a14:useLocalDpi xmlns:a14="http://schemas.microsoft.com/office/drawing/2010/main" val="0"/>
-              </a:ext>
-            </a:extLst>
-          </a:blip>
-          <a:stretch>
-            <a:fillRect/>
-          </a:stretch>
-        </p:blipFill>
-        <p:spPr>
-          <a:xfrm>
-            <a:off x="3916914" y="3369280"/>
-            <a:ext cx="3049173" cy="1045526"/>
-          </a:xfrm>
-          <a:prstGeom prst="rect">
-            <a:avLst/>
-          </a:prstGeom>
-        </p:spPr>
-      </p:pic>
-      <p:sp>
-        <p:nvSpPr>
-          <p:cNvPr id="11" name="Szövegdoboz 10">
-            <a:extLst>
-              <a:ext uri="{FF2B5EF4-FFF2-40B4-BE49-F238E27FC236}">
-                <a16:creationId xmlns:a16="http://schemas.microsoft.com/office/drawing/2014/main" id="{CA4B9E43-5B75-7125-D73B-45F5ED1DF94F}"/>
-              </a:ext>
-            </a:extLst>
-          </p:cNvPr>
-          <p:cNvSpPr txBox="1"/>
-          <p:nvPr/>
-        </p:nvSpPr>
-        <p:spPr>
-          <a:xfrm>
-            <a:off x="3916914" y="5345783"/>
-            <a:ext cx="2708475" cy="646331"/>
-          </a:xfrm>
-          <a:prstGeom prst="rect">
-            <a:avLst/>
-          </a:prstGeom>
-          <a:noFill/>
-        </p:spPr>
-        <p:txBody>
-          <a:bodyPr wrap="square" rtlCol="0">
-            <a:spAutoFit/>
-          </a:bodyPr>
+          <a:bodyPr/>
           <a:lstStyle/>
           <a:p>
             <a:r>
               <a:rPr lang="hu-HU" dirty="0"/>
-              <a:t>Itt a fehér és fekete bábuk számát adtuk meg.</a:t>
-            </a:r>
-            <a:endParaRPr lang="en-US" dirty="0"/>
-          </a:p>
-        </p:txBody>
-      </p:sp>
-      <p:sp>
-        <p:nvSpPr>
-          <p:cNvPr id="13" name="Nyíl: jobbra mutató 12">
-            <a:extLst>
-              <a:ext uri="{FF2B5EF4-FFF2-40B4-BE49-F238E27FC236}">
-                <a16:creationId xmlns:a16="http://schemas.microsoft.com/office/drawing/2014/main" id="{E07A5A02-9C12-7986-C7DB-5E6FFBBA54EB}"/>
-              </a:ext>
-            </a:extLst>
-          </p:cNvPr>
-          <p:cNvSpPr/>
-          <p:nvPr/>
-        </p:nvSpPr>
-        <p:spPr>
-          <a:xfrm rot="19358186">
-            <a:off x="6136712" y="4582393"/>
-            <a:ext cx="1732546" cy="399195"/>
-          </a:xfrm>
-          <a:prstGeom prst="rightArrow">
-            <a:avLst/>
-          </a:prstGeom>
-          <a:solidFill>
-            <a:schemeClr val="bg1"/>
-          </a:solidFill>
-        </p:spPr>
-        <p:style>
-          <a:lnRef idx="2">
-            <a:schemeClr val="accent1">
-              <a:shade val="15000"/>
-            </a:schemeClr>
-          </a:lnRef>
-          <a:fillRef idx="1">
-            <a:schemeClr val="accent1"/>
-          </a:fillRef>
-          <a:effectRef idx="0">
-            <a:schemeClr val="accent1"/>
-          </a:effectRef>
-          <a:fontRef idx="minor">
-            <a:schemeClr val="lt1"/>
-          </a:fontRef>
-        </p:style>
-        <p:txBody>
-          <a:bodyPr rtlCol="0" anchor="ctr"/>
-          <a:lstStyle/>
-          <a:p>
-            <a:pPr algn="ctr"/>
-            <a:endParaRPr lang="en-US"/>
-          </a:p>
-        </p:txBody>
-      </p:sp>
-      <p:pic>
-        <p:nvPicPr>
-          <p:cNvPr id="15" name="Kép 14">
-            <a:extLst>
-              <a:ext uri="{FF2B5EF4-FFF2-40B4-BE49-F238E27FC236}">
-                <a16:creationId xmlns:a16="http://schemas.microsoft.com/office/drawing/2014/main" id="{18ECF30E-4442-528D-4025-546C5C1E41B0}"/>
-              </a:ext>
-            </a:extLst>
-          </p:cNvPr>
-          <p:cNvPicPr>
-            <a:picLocks noChangeAspect="1"/>
-          </p:cNvPicPr>
-          <p:nvPr/>
-        </p:nvPicPr>
-        <p:blipFill>
-          <a:blip r:embed="rId4">
-            <a:extLst>
-              <a:ext uri="{28A0092B-C50C-407E-A947-70E740481C1C}">
-                <a14:useLocalDpi xmlns:a14="http://schemas.microsoft.com/office/drawing/2010/main" val="0"/>
-              </a:ext>
-            </a:extLst>
-          </a:blip>
-          <a:stretch>
-            <a:fillRect/>
-          </a:stretch>
-        </p:blipFill>
-        <p:spPr>
-          <a:xfrm>
-            <a:off x="-15670" y="3882188"/>
-            <a:ext cx="3609101" cy="2959769"/>
-          </a:xfrm>
-          <a:prstGeom prst="rect">
-            <a:avLst/>
-          </a:prstGeom>
-        </p:spPr>
-      </p:pic>
+              <a:t>Program lefuttatása után újraindítása a </a:t>
+            </a:r>
+            <a:r>
+              <a:rPr lang="hu-HU" dirty="0" err="1"/>
+              <a:t>while</a:t>
+            </a:r>
+            <a:r>
+              <a:rPr lang="hu-HU" dirty="0"/>
+              <a:t> ciklus segítségével, amiben az „igen” szóval </a:t>
+            </a:r>
+            <a:r>
+              <a:rPr lang="hu-HU" dirty="0" err="1"/>
+              <a:t>újralefut</a:t>
+            </a:r>
+            <a:r>
+              <a:rPr lang="hu-HU" dirty="0"/>
+              <a:t>, illetve a „nem” szóval leáll</a:t>
+            </a:r>
+          </a:p>
+        </p:txBody>
+      </p:sp>
     </p:spTree>
     <p:extLst>
       <p:ext uri="{BB962C8B-B14F-4D97-AF65-F5344CB8AC3E}">
-        <p14:creationId xmlns:p14="http://schemas.microsoft.com/office/powerpoint/2010/main" val="3164604468"/>
+        <p14:creationId xmlns:p14="http://schemas.microsoft.com/office/powerpoint/2010/main" val="4293152934"/>
       </p:ext>
     </p:extLst>
   </p:cSld>
